--- a/assets/files/Template_PowerPoint.pptx
+++ b/assets/files/Template_PowerPoint.pptx
@@ -245,7 +245,7 @@
           <a:p>
             <a:fld id="{5BB2DED4-0DAB-45D6-B8AA-DC8A8F47B479}" type="datetimeFigureOut">
               <a:rPr lang="pt-BR" smtClean="0"/>
-              <a:t>24/07/2020</a:t>
+              <a:t>11/09/2020</a:t>
             </a:fld>
             <a:endParaRPr lang="pt-BR"/>
           </a:p>
@@ -415,7 +415,7 @@
           <a:p>
             <a:fld id="{5BB2DED4-0DAB-45D6-B8AA-DC8A8F47B479}" type="datetimeFigureOut">
               <a:rPr lang="pt-BR" smtClean="0"/>
-              <a:t>24/07/2020</a:t>
+              <a:t>11/09/2020</a:t>
             </a:fld>
             <a:endParaRPr lang="pt-BR"/>
           </a:p>
@@ -595,7 +595,7 @@
           <a:p>
             <a:fld id="{5BB2DED4-0DAB-45D6-B8AA-DC8A8F47B479}" type="datetimeFigureOut">
               <a:rPr lang="pt-BR" smtClean="0"/>
-              <a:t>24/07/2020</a:t>
+              <a:t>11/09/2020</a:t>
             </a:fld>
             <a:endParaRPr lang="pt-BR"/>
           </a:p>
@@ -765,7 +765,7 @@
           <a:p>
             <a:fld id="{5BB2DED4-0DAB-45D6-B8AA-DC8A8F47B479}" type="datetimeFigureOut">
               <a:rPr lang="pt-BR" smtClean="0"/>
-              <a:t>24/07/2020</a:t>
+              <a:t>11/09/2020</a:t>
             </a:fld>
             <a:endParaRPr lang="pt-BR"/>
           </a:p>
@@ -1009,7 +1009,7 @@
           <a:p>
             <a:fld id="{5BB2DED4-0DAB-45D6-B8AA-DC8A8F47B479}" type="datetimeFigureOut">
               <a:rPr lang="pt-BR" smtClean="0"/>
-              <a:t>24/07/2020</a:t>
+              <a:t>11/09/2020</a:t>
             </a:fld>
             <a:endParaRPr lang="pt-BR"/>
           </a:p>
@@ -1241,7 +1241,7 @@
           <a:p>
             <a:fld id="{5BB2DED4-0DAB-45D6-B8AA-DC8A8F47B479}" type="datetimeFigureOut">
               <a:rPr lang="pt-BR" smtClean="0"/>
-              <a:t>24/07/2020</a:t>
+              <a:t>11/09/2020</a:t>
             </a:fld>
             <a:endParaRPr lang="pt-BR"/>
           </a:p>
@@ -1608,7 +1608,7 @@
           <a:p>
             <a:fld id="{5BB2DED4-0DAB-45D6-B8AA-DC8A8F47B479}" type="datetimeFigureOut">
               <a:rPr lang="pt-BR" smtClean="0"/>
-              <a:t>24/07/2020</a:t>
+              <a:t>11/09/2020</a:t>
             </a:fld>
             <a:endParaRPr lang="pt-BR"/>
           </a:p>
@@ -1726,7 +1726,7 @@
           <a:p>
             <a:fld id="{5BB2DED4-0DAB-45D6-B8AA-DC8A8F47B479}" type="datetimeFigureOut">
               <a:rPr lang="pt-BR" smtClean="0"/>
-              <a:t>24/07/2020</a:t>
+              <a:t>11/09/2020</a:t>
             </a:fld>
             <a:endParaRPr lang="pt-BR"/>
           </a:p>
@@ -1821,7 +1821,7 @@
           <a:p>
             <a:fld id="{5BB2DED4-0DAB-45D6-B8AA-DC8A8F47B479}" type="datetimeFigureOut">
               <a:rPr lang="pt-BR" smtClean="0"/>
-              <a:t>24/07/2020</a:t>
+              <a:t>11/09/2020</a:t>
             </a:fld>
             <a:endParaRPr lang="pt-BR"/>
           </a:p>
@@ -2098,7 +2098,7 @@
           <a:p>
             <a:fld id="{5BB2DED4-0DAB-45D6-B8AA-DC8A8F47B479}" type="datetimeFigureOut">
               <a:rPr lang="pt-BR" smtClean="0"/>
-              <a:t>24/07/2020</a:t>
+              <a:t>11/09/2020</a:t>
             </a:fld>
             <a:endParaRPr lang="pt-BR"/>
           </a:p>
@@ -2355,7 +2355,7 @@
           <a:p>
             <a:fld id="{5BB2DED4-0DAB-45D6-B8AA-DC8A8F47B479}" type="datetimeFigureOut">
               <a:rPr lang="pt-BR" smtClean="0"/>
-              <a:t>24/07/2020</a:t>
+              <a:t>11/09/2020</a:t>
             </a:fld>
             <a:endParaRPr lang="pt-BR"/>
           </a:p>
@@ -2568,7 +2568,7 @@
           <a:p>
             <a:fld id="{5BB2DED4-0DAB-45D6-B8AA-DC8A8F47B479}" type="datetimeFigureOut">
               <a:rPr lang="pt-BR" smtClean="0"/>
-              <a:t>24/07/2020</a:t>
+              <a:t>11/09/2020</a:t>
             </a:fld>
             <a:endParaRPr lang="pt-BR"/>
           </a:p>
@@ -3084,11 +3084,6 @@
               </a:rPr>
               <a:t>Outubro, 2020.</a:t>
             </a:r>
-            <a:endParaRPr lang="pt-BR" b="1" dirty="0" smtClean="0">
-              <a:latin typeface="Arial" panose="020B0604020202020204" pitchFamily="34" charset="0"/>
-              <a:ea typeface="Verdana" panose="020B0604030504040204" pitchFamily="34" charset="0"/>
-              <a:cs typeface="Arial" panose="020B0604020202020204" pitchFamily="34" charset="0"/>
-            </a:endParaRPr>
           </a:p>
           <a:p>
             <a:pPr algn="ctr"/>
@@ -3742,7 +3737,7 @@
         </p:blipFill>
         <p:spPr>
           <a:xfrm>
-            <a:off x="1796750" y="5390821"/>
+            <a:off x="1314814" y="5357133"/>
             <a:ext cx="1135088" cy="1029726"/>
           </a:xfrm>
           <a:prstGeom prst="rect">
@@ -3765,7 +3760,7 @@
         </p:blipFill>
         <p:spPr>
           <a:xfrm>
-            <a:off x="2991425" y="5296220"/>
+            <a:off x="2487352" y="5295541"/>
             <a:ext cx="1262831" cy="1164668"/>
           </a:xfrm>
           <a:prstGeom prst="rect">
@@ -3788,7 +3783,7 @@
         </p:blipFill>
         <p:spPr>
           <a:xfrm>
-            <a:off x="4430798" y="5395827"/>
+            <a:off x="3787633" y="5411310"/>
             <a:ext cx="1505243" cy="921372"/>
           </a:xfrm>
           <a:prstGeom prst="rect">
@@ -3811,7 +3806,7 @@
         </p:blipFill>
         <p:spPr>
           <a:xfrm>
-            <a:off x="5936041" y="5229172"/>
+            <a:off x="5213769" y="5220401"/>
             <a:ext cx="1794818" cy="1166458"/>
           </a:xfrm>
           <a:prstGeom prst="rect">
@@ -3827,7 +3822,7 @@
         </p:nvSpPr>
         <p:spPr>
           <a:xfrm>
-            <a:off x="447738" y="5654482"/>
+            <a:off x="228069" y="5654481"/>
             <a:ext cx="1317990" cy="307777"/>
           </a:xfrm>
           <a:prstGeom prst="rect">
@@ -3874,12 +3869,51 @@
         </p:blipFill>
         <p:spPr>
           <a:xfrm>
-            <a:off x="8053128" y="5411310"/>
+            <a:off x="7168960" y="5407715"/>
             <a:ext cx="640081" cy="728473"/>
           </a:xfrm>
           <a:prstGeom prst="rect">
             <a:avLst/>
           </a:prstGeom>
+        </p:spPr>
+      </p:pic>
+      <p:pic>
+        <p:nvPicPr>
+          <p:cNvPr id="1026" name="Picture 2" descr="Universidade Federal do Piauí – Wikipédia, a enciclopédia livre"/>
+          <p:cNvPicPr>
+            <a:picLocks noChangeAspect="1" noChangeArrowheads="1"/>
+          </p:cNvPicPr>
+          <p:nvPr/>
+        </p:nvPicPr>
+        <p:blipFill rotWithShape="1">
+          <a:blip r:embed="rId5" cstate="print">
+            <a:extLst>
+              <a:ext uri="{28A0092B-C50C-407E-A947-70E740481C1C}">
+                <a14:useLocalDpi xmlns:a14="http://schemas.microsoft.com/office/drawing/2010/main" val="0"/>
+              </a:ext>
+            </a:extLst>
+          </a:blip>
+          <a:srcRect l="17661" r="20428"/>
+          <a:stretch/>
+        </p:blipFill>
+        <p:spPr bwMode="auto">
+          <a:xfrm>
+            <a:off x="8167912" y="5214859"/>
+            <a:ext cx="752862" cy="1028174"/>
+          </a:xfrm>
+          <a:prstGeom prst="rect">
+            <a:avLst/>
+          </a:prstGeom>
+          <a:noFill/>
+          <a:extLst>
+            <a:ext uri="{909E8E84-426E-40DD-AFC4-6F175D3DCCD1}">
+              <a14:hiddenFill xmlns:a14="http://schemas.microsoft.com/office/drawing/2010/main">
+                <a:solidFill>
+                  <a:srgbClr val="FFFFFF"/>
+                </a:solidFill>
+              </a14:hiddenFill>
+            </a:ext>
+          </a:extLst>
         </p:spPr>
       </p:pic>
     </p:spTree>
